--- a/Marketing_Analytics_Presentation.pptx
+++ b/Marketing_Analytics_Presentation.pptx
@@ -559,7 +559,7 @@
                   </a:schemeClr>
                 </a:solidFill>
               </a:rPr>
-              <a:t> Spent at the Store</a:t>
+              <a:t> Spent at the Store instead of number of products.</a:t>
             </a:r>
             <a:endParaRPr lang="en-US" dirty="0">
               <a:solidFill>
@@ -999,7 +999,7 @@
                   </a:schemeClr>
                 </a:solidFill>
               </a:rPr>
-              <a:t>Revenue</a:t>
+              <a:t>Disposable Income</a:t>
             </a:r>
             <a:r>
               <a:rPr lang="en-US" baseline="0" dirty="0">
@@ -3134,7 +3134,7 @@
           <a:p>
             <a:fld id="{EF1077DB-935E-4A0A-947A-D283B9F9F452}" type="datetimeFigureOut">
               <a:rPr lang="en-US" smtClean="0"/>
-              <a:t>11/30/2022</a:t>
+              <a:t>12/1/2022</a:t>
             </a:fld>
             <a:endParaRPr lang="en-US"/>
           </a:p>
@@ -14566,7 +14566,7 @@
           <p:nvPr>
             <p:extLst>
               <p:ext uri="{D42A27DB-BD31-4B8C-83A1-F6EECF244321}">
-                <p14:modId xmlns:p14="http://schemas.microsoft.com/office/powerpoint/2010/main" val="2396271356"/>
+                <p14:modId xmlns:p14="http://schemas.microsoft.com/office/powerpoint/2010/main" val="266726810"/>
               </p:ext>
             </p:extLst>
           </p:nvPr>
@@ -14594,7 +14594,7 @@
           <p:nvPr>
             <p:extLst>
               <p:ext uri="{D42A27DB-BD31-4B8C-83A1-F6EECF244321}">
-                <p14:modId xmlns:p14="http://schemas.microsoft.com/office/powerpoint/2010/main" val="326506538"/>
+                <p14:modId xmlns:p14="http://schemas.microsoft.com/office/powerpoint/2010/main" val="1073055400"/>
               </p:ext>
             </p:extLst>
           </p:nvPr>
@@ -15907,6 +15907,23 @@
 </file>
 
 <file path=customXml/item1.xml><?xml version="1.0" encoding="utf-8"?>
+<?mso-contentType ?>
+<FormTemplates xmlns="http://schemas.microsoft.com/sharepoint/v3/contenttype/forms">
+  <Display>DocumentLibraryForm</Display>
+  <Edit>DocumentLibraryForm</Edit>
+  <New>DocumentLibraryForm</New>
+</FormTemplates>
+</file>
+
+<file path=customXml/item2.xml><?xml version="1.0" encoding="utf-8"?>
+<p:properties xmlns:p="http://schemas.microsoft.com/office/2006/metadata/properties" xmlns:xsi="http://www.w3.org/2001/XMLSchema-instance" xmlns:pc="http://schemas.microsoft.com/office/infopath/2007/PartnerControls">
+  <documentManagement>
+    <MediaServiceKeyPoints xmlns="71af3243-3dd4-4a8d-8c0d-dd76da1f02a5" xsi:nil="true"/>
+  </documentManagement>
+</p:properties>
+</file>
+
+<file path=customXml/item3.xml><?xml version="1.0" encoding="utf-8"?>
 <ct:contentTypeSchema xmlns:ct="http://schemas.microsoft.com/office/2006/metadata/contentType" xmlns:ma="http://schemas.microsoft.com/office/2006/metadata/properties/metaAttributes" ct:_="" ma:_="" ma:contentTypeName="Document" ma:contentTypeID="0x01010079F111ED35F8CC479449609E8A0923A6" ma:contentTypeVersion="11" ma:contentTypeDescription="Create a new document." ma:contentTypeScope="" ma:versionID="96291512c1ee715ab617f4c07df79fc1">
   <xsd:schema xmlns:xsd="http://www.w3.org/2001/XMLSchema" xmlns:xs="http://www.w3.org/2001/XMLSchema" xmlns:p="http://schemas.microsoft.com/office/2006/metadata/properties" xmlns:ns2="71af3243-3dd4-4a8d-8c0d-dd76da1f02a5" xmlns:ns3="16c05727-aa75-4e4a-9b5f-8a80a1165891" targetNamespace="http://schemas.microsoft.com/office/2006/metadata/properties" ma:root="true" ma:fieldsID="8256c27c40ca5c40ce1cf6c44f0205df" ns2:_="" ns3:_="">
     <xsd:import namespace="71af3243-3dd4-4a8d-8c0d-dd76da1f02a5"/>
@@ -16117,24 +16134,25 @@
 </ct:contentTypeSchema>
 </file>
 
-<file path=customXml/item2.xml><?xml version="1.0" encoding="utf-8"?>
-<p:properties xmlns:p="http://schemas.microsoft.com/office/2006/metadata/properties" xmlns:xsi="http://www.w3.org/2001/XMLSchema-instance" xmlns:pc="http://schemas.microsoft.com/office/infopath/2007/PartnerControls">
-  <documentManagement>
-    <MediaServiceKeyPoints xmlns="71af3243-3dd4-4a8d-8c0d-dd76da1f02a5" xsi:nil="true"/>
-  </documentManagement>
-</p:properties>
+<file path=customXml/itemProps1.xml><?xml version="1.0" encoding="utf-8"?>
+<ds:datastoreItem xmlns:ds="http://schemas.openxmlformats.org/officeDocument/2006/customXml" ds:itemID="{B8E15EA0-2F38-456B-B156-038699A5D17F}">
+  <ds:schemaRefs>
+    <ds:schemaRef ds:uri="http://schemas.microsoft.com/sharepoint/v3/contenttype/forms"/>
+  </ds:schemaRefs>
+</ds:datastoreItem>
 </file>
 
-<file path=customXml/item3.xml><?xml version="1.0" encoding="utf-8"?>
-<?mso-contentType ?>
-<FormTemplates xmlns="http://schemas.microsoft.com/sharepoint/v3/contenttype/forms">
-  <Display>DocumentLibraryForm</Display>
-  <Edit>DocumentLibraryForm</Edit>
-  <New>DocumentLibraryForm</New>
-</FormTemplates>
+<file path=customXml/itemProps2.xml><?xml version="1.0" encoding="utf-8"?>
+<ds:datastoreItem xmlns:ds="http://schemas.openxmlformats.org/officeDocument/2006/customXml" ds:itemID="{BF90D0D0-7C1D-47FF-A2F0-9937AA567A3D}">
+  <ds:schemaRefs>
+    <ds:schemaRef ds:uri="http://schemas.microsoft.com/office/2006/metadata/properties"/>
+    <ds:schemaRef ds:uri="http://schemas.microsoft.com/office/infopath/2007/PartnerControls"/>
+    <ds:schemaRef ds:uri="71af3243-3dd4-4a8d-8c0d-dd76da1f02a5"/>
+  </ds:schemaRefs>
+</ds:datastoreItem>
 </file>
 
-<file path=customXml/itemProps1.xml><?xml version="1.0" encoding="utf-8"?>
+<file path=customXml/itemProps3.xml><?xml version="1.0" encoding="utf-8"?>
 <ds:datastoreItem xmlns:ds="http://schemas.openxmlformats.org/officeDocument/2006/customXml" ds:itemID="{2EDB5DD7-8DCC-4069-9EB3-5D098186652E}">
   <ds:schemaRefs>
     <ds:schemaRef ds:uri="http://schemas.microsoft.com/office/2006/metadata/contentType"/>
@@ -16151,22 +16169,4 @@
     <ds:schemaRef ds:uri="http://schemas.microsoft.com/internal/obd"/>
   </ds:schemaRefs>
 </ds:datastoreItem>
-</file>
-
-<file path=customXml/itemProps2.xml><?xml version="1.0" encoding="utf-8"?>
-<ds:datastoreItem xmlns:ds="http://schemas.openxmlformats.org/officeDocument/2006/customXml" ds:itemID="{BF90D0D0-7C1D-47FF-A2F0-9937AA567A3D}">
-  <ds:schemaRefs>
-    <ds:schemaRef ds:uri="http://schemas.microsoft.com/office/2006/metadata/properties"/>
-    <ds:schemaRef ds:uri="http://schemas.microsoft.com/office/infopath/2007/PartnerControls"/>
-    <ds:schemaRef ds:uri="71af3243-3dd4-4a8d-8c0d-dd76da1f02a5"/>
-  </ds:schemaRefs>
-</ds:datastoreItem>
-</file>
-
-<file path=customXml/itemProps3.xml><?xml version="1.0" encoding="utf-8"?>
-<ds:datastoreItem xmlns:ds="http://schemas.openxmlformats.org/officeDocument/2006/customXml" ds:itemID="{B8E15EA0-2F38-456B-B156-038699A5D17F}">
-  <ds:schemaRefs>
-    <ds:schemaRef ds:uri="http://schemas.microsoft.com/sharepoint/v3/contenttype/forms"/>
-  </ds:schemaRefs>
-</ds:datastoreItem>
 </file>